--- a/hypebest/presentazioneLast.pptx
+++ b/hypebest/presentazioneLast.pptx
@@ -5,10 +5,10 @@
     <p:sldMasterId id="2147483793" r:id="rId4"/>
   </p:sldMasterIdLst>
   <p:notesMasterIdLst>
-    <p:notesMasterId r:id="rId15"/>
+    <p:notesMasterId r:id="rId16"/>
   </p:notesMasterIdLst>
   <p:handoutMasterIdLst>
-    <p:handoutMasterId r:id="rId16"/>
+    <p:handoutMasterId r:id="rId17"/>
   </p:handoutMasterIdLst>
   <p:sldIdLst>
     <p:sldId id="256" r:id="rId5"/>
@@ -21,6 +21,7 @@
     <p:sldId id="265" r:id="rId12"/>
     <p:sldId id="263" r:id="rId13"/>
     <p:sldId id="266" r:id="rId14"/>
+    <p:sldId id="268" r:id="rId15"/>
   </p:sldIdLst>
   <p:sldSz cx="12192000" cy="6858000"/>
   <p:notesSz cx="6858000" cy="9144000"/>
@@ -3511,7 +3512,7 @@
             <a:pPr rtl="0"/>
             <a:fld id="{908252B0-110B-41C3-A919-378EF57AC5F3}" type="datetime1">
               <a:rPr lang="it-IT" smtClean="0"/>
-              <a:t>01/03/2022</a:t>
+              <a:t>02/03/2022</a:t>
             </a:fld>
             <a:endParaRPr lang="it-IT"/>
           </a:p>
@@ -3693,7 +3694,7 @@
             <a:fld id="{E91A8072-AB5C-401E-9F2D-ADB45AE59072}" type="datetime1">
               <a:rPr lang="it-IT" smtClean="0"/>
               <a:pPr/>
-              <a:t>01/03/2022</a:t>
+              <a:t>02/03/2022</a:t>
             </a:fld>
             <a:endParaRPr lang="it-IT" dirty="0"/>
           </a:p>
@@ -4361,7 +4362,7 @@
             <a:fld id="{B61BEF0D-F0BB-DE4B-95CE-6DB70DBA9567}" type="datetimeFigureOut">
               <a:rPr lang="en-US" smtClean="0"/>
               <a:pPr/>
-              <a:t>3/1/2022</a:t>
+              <a:t>3/2/2022</a:t>
             </a:fld>
             <a:endParaRPr lang="en-US" dirty="0"/>
           </a:p>
@@ -8120,8 +8121,8 @@
         </p:nvSpPr>
         <p:spPr>
           <a:xfrm>
-            <a:off x="868828" y="2143460"/>
-            <a:ext cx="2756807" cy="1449387"/>
+            <a:off x="1957073" y="2652061"/>
+            <a:ext cx="1483449" cy="935106"/>
           </a:xfrm>
         </p:spPr>
         <p:txBody>
@@ -8136,47 +8137,6 @@
           </a:p>
         </p:txBody>
       </p:sp>
-      <p:cxnSp>
-        <p:nvCxnSpPr>
-          <p:cNvPr id="5" name="Connettore diritto 4">
-            <a:extLst>
-              <a:ext uri="{FF2B5EF4-FFF2-40B4-BE49-F238E27FC236}">
-                <a16:creationId xmlns:a16="http://schemas.microsoft.com/office/drawing/2014/main" id="{240F784F-B77B-4582-957B-ED7352C25C52}"/>
-              </a:ext>
-            </a:extLst>
-          </p:cNvPr>
-          <p:cNvCxnSpPr/>
-          <p:nvPr/>
-        </p:nvCxnSpPr>
-        <p:spPr>
-          <a:xfrm>
-            <a:off x="3303931" y="976489"/>
-            <a:ext cx="0" cy="4652010"/>
-          </a:xfrm>
-          <a:prstGeom prst="line">
-            <a:avLst/>
-          </a:prstGeom>
-          <a:ln w="12700">
-            <a:solidFill>
-              <a:srgbClr val="404040"/>
-            </a:solidFill>
-          </a:ln>
-        </p:spPr>
-        <p:style>
-          <a:lnRef idx="1">
-            <a:schemeClr val="accent1"/>
-          </a:lnRef>
-          <a:fillRef idx="0">
-            <a:schemeClr val="accent1"/>
-          </a:fillRef>
-          <a:effectRef idx="0">
-            <a:schemeClr val="accent1"/>
-          </a:effectRef>
-          <a:fontRef idx="minor">
-            <a:schemeClr val="tx1"/>
-          </a:fontRef>
-        </p:style>
-      </p:cxnSp>
       <p:pic>
         <p:nvPicPr>
           <p:cNvPr id="4" name="Immagine 3">
@@ -8199,8 +8159,8 @@
         </p:blipFill>
         <p:spPr>
           <a:xfrm>
-            <a:off x="4673100" y="149142"/>
-            <a:ext cx="4497532" cy="6060559"/>
+            <a:off x="5331126" y="441472"/>
+            <a:ext cx="3974891" cy="5356284"/>
           </a:xfrm>
           <a:prstGeom prst="rect">
             <a:avLst/>
@@ -8243,10 +8203,295 @@
           </a:prstGeom>
         </p:spPr>
       </p:pic>
+      <p:cxnSp>
+        <p:nvCxnSpPr>
+          <p:cNvPr id="6" name="Connettore diritto 5">
+            <a:extLst>
+              <a:ext uri="{FF2B5EF4-FFF2-40B4-BE49-F238E27FC236}">
+                <a16:creationId xmlns:a16="http://schemas.microsoft.com/office/drawing/2014/main" id="{C63B9E00-F11C-46BF-A609-843BB2506C31}"/>
+              </a:ext>
+            </a:extLst>
+          </p:cNvPr>
+          <p:cNvCxnSpPr/>
+          <p:nvPr/>
+        </p:nvCxnSpPr>
+        <p:spPr>
+          <a:xfrm>
+            <a:off x="3932581" y="793609"/>
+            <a:ext cx="0" cy="4652010"/>
+          </a:xfrm>
+          <a:prstGeom prst="line">
+            <a:avLst/>
+          </a:prstGeom>
+          <a:ln w="12700">
+            <a:solidFill>
+              <a:srgbClr val="404040"/>
+            </a:solidFill>
+          </a:ln>
+        </p:spPr>
+        <p:style>
+          <a:lnRef idx="1">
+            <a:schemeClr val="accent1"/>
+          </a:lnRef>
+          <a:fillRef idx="0">
+            <a:schemeClr val="accent1"/>
+          </a:fillRef>
+          <a:effectRef idx="0">
+            <a:schemeClr val="accent1"/>
+          </a:effectRef>
+          <a:fontRef idx="minor">
+            <a:schemeClr val="tx1"/>
+          </a:fontRef>
+        </p:style>
+      </p:cxnSp>
     </p:spTree>
     <p:extLst>
       <p:ext uri="{BB962C8B-B14F-4D97-AF65-F5344CB8AC3E}">
         <p14:creationId xmlns:p14="http://schemas.microsoft.com/office/powerpoint/2010/main" val="381711729"/>
+      </p:ext>
+    </p:extLst>
+  </p:cSld>
+  <p:clrMapOvr>
+    <a:masterClrMapping/>
+  </p:clrMapOvr>
+</p:sld>
+</file>
+
+<file path=ppt/slides/slide11.xml><?xml version="1.0" encoding="utf-8"?>
+<p:sld xmlns:a="http://schemas.openxmlformats.org/drawingml/2006/main" xmlns:r="http://schemas.openxmlformats.org/officeDocument/2006/relationships" xmlns:p="http://schemas.openxmlformats.org/presentationml/2006/main">
+  <p:cSld>
+    <p:spTree>
+      <p:nvGrpSpPr>
+        <p:cNvPr id="1" name=""/>
+        <p:cNvGrpSpPr/>
+        <p:nvPr/>
+      </p:nvGrpSpPr>
+      <p:grpSpPr>
+        <a:xfrm>
+          <a:off x="0" y="0"/>
+          <a:ext cx="0" cy="0"/>
+          <a:chOff x="0" y="0"/>
+          <a:chExt cx="0" cy="0"/>
+        </a:xfrm>
+      </p:grpSpPr>
+      <p:sp>
+        <p:nvSpPr>
+          <p:cNvPr id="5" name="Titolo 4">
+            <a:extLst>
+              <a:ext uri="{FF2B5EF4-FFF2-40B4-BE49-F238E27FC236}">
+                <a16:creationId xmlns:a16="http://schemas.microsoft.com/office/drawing/2014/main" id="{A3014AC2-85EB-4F5E-8D33-C6FE9BEF1B08}"/>
+              </a:ext>
+            </a:extLst>
+          </p:cNvPr>
+          <p:cNvSpPr>
+            <a:spLocks noGrp="1"/>
+          </p:cNvSpPr>
+          <p:nvPr>
+            <p:ph type="title"/>
+          </p:nvPr>
+        </p:nvSpPr>
+        <p:spPr/>
+        <p:txBody>
+          <a:bodyPr>
+            <a:normAutofit/>
+          </a:bodyPr>
+          <a:lstStyle/>
+          <a:p>
+            <a:pPr algn="ctr"/>
+            <a:r>
+              <a:rPr lang="it-IT" sz="6600" b="1" dirty="0"/>
+              <a:t>Previsione dei costi</a:t>
+            </a:r>
+          </a:p>
+        </p:txBody>
+      </p:sp>
+      <p:pic>
+        <p:nvPicPr>
+          <p:cNvPr id="10" name="Immagine 9">
+            <a:extLst>
+              <a:ext uri="{FF2B5EF4-FFF2-40B4-BE49-F238E27FC236}">
+                <a16:creationId xmlns:a16="http://schemas.microsoft.com/office/drawing/2014/main" id="{11CFDDC0-C2B8-45F6-9D29-2D74D8181D2E}"/>
+              </a:ext>
+            </a:extLst>
+          </p:cNvPr>
+          <p:cNvPicPr>
+            <a:picLocks noChangeAspect="1"/>
+          </p:cNvPicPr>
+          <p:nvPr/>
+        </p:nvPicPr>
+        <p:blipFill>
+          <a:blip r:embed="rId2">
+            <a:extLst>
+              <a:ext uri="{28A0092B-C50C-407E-A947-70E740481C1C}">
+                <a14:useLocalDpi xmlns:a14="http://schemas.microsoft.com/office/drawing/2010/main" val="0"/>
+              </a:ext>
+            </a:extLst>
+          </a:blip>
+          <a:stretch>
+            <a:fillRect/>
+          </a:stretch>
+        </p:blipFill>
+        <p:spPr>
+          <a:xfrm>
+            <a:off x="10539800" y="4869180"/>
+            <a:ext cx="1940717" cy="1639487"/>
+          </a:xfrm>
+          <a:prstGeom prst="rect">
+            <a:avLst/>
+          </a:prstGeom>
+        </p:spPr>
+      </p:pic>
+      <p:sp>
+        <p:nvSpPr>
+          <p:cNvPr id="2" name="CasellaDiTesto 1">
+            <a:extLst>
+              <a:ext uri="{FF2B5EF4-FFF2-40B4-BE49-F238E27FC236}">
+                <a16:creationId xmlns:a16="http://schemas.microsoft.com/office/drawing/2014/main" id="{5D791ADA-FD82-43D7-80BA-F98181A7EE0C}"/>
+              </a:ext>
+            </a:extLst>
+          </p:cNvPr>
+          <p:cNvSpPr txBox="1"/>
+          <p:nvPr/>
+        </p:nvSpPr>
+        <p:spPr>
+          <a:xfrm>
+            <a:off x="1097280" y="1988820"/>
+            <a:ext cx="6525569" cy="1938992"/>
+          </a:xfrm>
+          <a:prstGeom prst="rect">
+            <a:avLst/>
+          </a:prstGeom>
+          <a:noFill/>
+        </p:spPr>
+        <p:txBody>
+          <a:bodyPr wrap="square" rtlCol="0">
+            <a:spAutoFit/>
+          </a:bodyPr>
+          <a:lstStyle/>
+          <a:p>
+            <a:r>
+              <a:rPr lang="it-IT" sz="2400" dirty="0"/>
+              <a:t>50€/h * 8h/settimana = 400€/settimana</a:t>
+            </a:r>
+          </a:p>
+          <a:p>
+            <a:r>
+              <a:rPr lang="it-IT" sz="2400" dirty="0"/>
+              <a:t>400€ * 4 settimane = 1600€/mese</a:t>
+            </a:r>
+          </a:p>
+          <a:p>
+            <a:r>
+              <a:rPr lang="it-IT" sz="2400" dirty="0"/>
+              <a:t>1600€/mese * 5 componenti = 9600€/mese</a:t>
+            </a:r>
+          </a:p>
+          <a:p>
+            <a:r>
+              <a:rPr lang="it-IT" sz="2400" dirty="0"/>
+              <a:t>3 mesi di sviluppo * 9600€ = 28800€</a:t>
+            </a:r>
+          </a:p>
+          <a:p>
+            <a:endParaRPr lang="it-IT" sz="2400" dirty="0"/>
+          </a:p>
+        </p:txBody>
+      </p:sp>
+      <p:sp>
+        <p:nvSpPr>
+          <p:cNvPr id="3" name="CasellaDiTesto 2">
+            <a:extLst>
+              <a:ext uri="{FF2B5EF4-FFF2-40B4-BE49-F238E27FC236}">
+                <a16:creationId xmlns:a16="http://schemas.microsoft.com/office/drawing/2014/main" id="{4720C58F-E0F7-401D-8602-2B904C77062E}"/>
+              </a:ext>
+            </a:extLst>
+          </p:cNvPr>
+          <p:cNvSpPr txBox="1"/>
+          <p:nvPr/>
+        </p:nvSpPr>
+        <p:spPr>
+          <a:xfrm>
+            <a:off x="4966128" y="4478606"/>
+            <a:ext cx="4606582" cy="1107996"/>
+          </a:xfrm>
+          <a:prstGeom prst="rect">
+            <a:avLst/>
+          </a:prstGeom>
+          <a:noFill/>
+        </p:spPr>
+        <p:txBody>
+          <a:bodyPr wrap="none" rtlCol="0">
+            <a:spAutoFit/>
+          </a:bodyPr>
+          <a:lstStyle/>
+          <a:p>
+            <a:r>
+              <a:rPr lang="it-IT" sz="2400" dirty="0"/>
+              <a:t>Hosting cloud e database -&gt; AWS</a:t>
+            </a:r>
+          </a:p>
+          <a:p>
+            <a:r>
+              <a:rPr lang="it-IT" sz="2400" dirty="0"/>
+              <a:t>110€/mese * 12mesi = 1320€/anno</a:t>
+            </a:r>
+          </a:p>
+          <a:p>
+            <a:endParaRPr lang="it-IT" dirty="0"/>
+          </a:p>
+        </p:txBody>
+      </p:sp>
+      <p:pic>
+        <p:nvPicPr>
+          <p:cNvPr id="1026" name="Picture 2" descr="Amazon Web Services - Wikipedia">
+            <a:extLst>
+              <a:ext uri="{FF2B5EF4-FFF2-40B4-BE49-F238E27FC236}">
+                <a16:creationId xmlns:a16="http://schemas.microsoft.com/office/drawing/2014/main" id="{34E796E3-A0FD-4D24-AD58-AC0BAA0F4EC3}"/>
+              </a:ext>
+            </a:extLst>
+          </p:cNvPr>
+          <p:cNvPicPr>
+            <a:picLocks noChangeAspect="1" noChangeArrowheads="1"/>
+          </p:cNvPicPr>
+          <p:nvPr/>
+        </p:nvPicPr>
+        <p:blipFill>
+          <a:blip r:embed="rId3">
+            <a:extLst>
+              <a:ext uri="{28A0092B-C50C-407E-A947-70E740481C1C}">
+                <a14:useLocalDpi xmlns:a14="http://schemas.microsoft.com/office/drawing/2010/main" val="0"/>
+              </a:ext>
+            </a:extLst>
+          </a:blip>
+          <a:srcRect/>
+          <a:stretch>
+            <a:fillRect/>
+          </a:stretch>
+        </p:blipFill>
+        <p:spPr bwMode="auto">
+          <a:xfrm>
+            <a:off x="3119468" y="4315182"/>
+            <a:ext cx="1846660" cy="1107996"/>
+          </a:xfrm>
+          <a:prstGeom prst="rect">
+            <a:avLst/>
+          </a:prstGeom>
+          <a:noFill/>
+          <a:extLst>
+            <a:ext uri="{909E8E84-426E-40DD-AFC4-6F175D3DCCD1}">
+              <a14:hiddenFill xmlns:a14="http://schemas.microsoft.com/office/drawing/2010/main">
+                <a:solidFill>
+                  <a:srgbClr val="FFFFFF"/>
+                </a:solidFill>
+              </a14:hiddenFill>
+            </a:ext>
+          </a:extLst>
+        </p:spPr>
+      </p:pic>
+    </p:spTree>
+    <p:extLst>
+      <p:ext uri="{BB962C8B-B14F-4D97-AF65-F5344CB8AC3E}">
+        <p14:creationId xmlns:p14="http://schemas.microsoft.com/office/powerpoint/2010/main" val="416767674"/>
       </p:ext>
     </p:extLst>
   </p:cSld>
@@ -8318,7 +8563,7 @@
         </p:nvSpPr>
         <p:spPr>
           <a:xfrm>
-            <a:off x="2705919" y="3007757"/>
+            <a:off x="2512065" y="3007757"/>
             <a:ext cx="7228829" cy="1231106"/>
           </a:xfrm>
           <a:prstGeom prst="rect">
@@ -8458,8 +8703,8 @@
         </p:nvSpPr>
         <p:spPr>
           <a:xfrm>
-            <a:off x="2591619" y="2779157"/>
-            <a:ext cx="7443921" cy="1661993"/>
+            <a:off x="2404519" y="2685153"/>
+            <a:ext cx="7443921" cy="2092881"/>
           </a:xfrm>
           <a:prstGeom prst="rect">
             <a:avLst/>
@@ -8482,7 +8727,7 @@
                   <a:srgbClr val="404040"/>
                 </a:solidFill>
               </a:rPr>
-              <a:t>Cercando un capo d’abbigliamento.</a:t>
+              <a:t>Scorrendo la Homepage</a:t>
             </a:r>
           </a:p>
           <a:p>
@@ -8496,7 +8741,7 @@
                   <a:srgbClr val="404040"/>
                 </a:solidFill>
               </a:rPr>
-              <a:t>Selezionando lo stile conforme alla situazione.</a:t>
+              <a:t>Cercando un capo d’abbigliamento</a:t>
             </a:r>
           </a:p>
           <a:p>
@@ -8510,8 +8755,19 @@
                   <a:srgbClr val="404040"/>
                 </a:solidFill>
               </a:rPr>
-              <a:t>Scorrendo semplicemente la homepage.</a:t>
-            </a:r>
+              <a:t>Selezionando lo stile conforme alla situazione</a:t>
+            </a:r>
+          </a:p>
+          <a:p>
+            <a:pPr marL="457200" indent="-457200">
+              <a:buFont typeface="Arial" panose="020B0604020202020204" pitchFamily="34" charset="0"/>
+              <a:buChar char="•"/>
+            </a:pPr>
+            <a:endParaRPr lang="it-IT" sz="2800" dirty="0">
+              <a:solidFill>
+                <a:srgbClr val="404040"/>
+              </a:solidFill>
+            </a:endParaRPr>
           </a:p>
           <a:p>
             <a:endParaRPr lang="it-IT" dirty="0"/>
@@ -8639,8 +8895,8 @@
         </p:nvSpPr>
         <p:spPr>
           <a:xfrm>
-            <a:off x="5726667" y="2402930"/>
-            <a:ext cx="4125993" cy="1791879"/>
+            <a:off x="7061675" y="1492837"/>
+            <a:ext cx="4125993" cy="545368"/>
           </a:xfrm>
         </p:spPr>
         <p:txBody>
@@ -8649,36 +8905,33 @@
           </a:bodyPr>
           <a:lstStyle/>
           <a:p>
+            <a:pPr marL="0" indent="0">
+              <a:buNone/>
+            </a:pPr>
+            <a:r>
+              <a:rPr lang="it-IT" sz="2800" dirty="0"/>
+              <a:t>user-friendly</a:t>
+            </a:r>
+          </a:p>
+          <a:p>
             <a:pPr>
               <a:buFont typeface="Arial" panose="020B0604020202020204" pitchFamily="34" charset="0"/>
               <a:buChar char="•"/>
             </a:pPr>
-            <a:r>
-              <a:rPr lang="it-IT" sz="2800" dirty="0">
-                <a:solidFill>
-                  <a:srgbClr val="FF0000"/>
-                </a:solidFill>
-              </a:rPr>
-              <a:t> </a:t>
-            </a:r>
-            <a:r>
-              <a:rPr lang="it-IT" sz="2800" dirty="0"/>
-              <a:t>user-friendly</a:t>
-            </a:r>
+            <a:endParaRPr lang="it-IT" sz="2800" dirty="0"/>
           </a:p>
           <a:p>
             <a:pPr>
               <a:buFont typeface="Arial" panose="020B0604020202020204" pitchFamily="34" charset="0"/>
               <a:buChar char="•"/>
             </a:pPr>
-            <a:r>
-              <a:rPr lang="it-IT" sz="2800" dirty="0"/>
-              <a:t> cross-</a:t>
-            </a:r>
-            <a:r>
-              <a:rPr lang="it-IT" sz="2800" dirty="0" err="1"/>
-              <a:t>platform</a:t>
-            </a:r>
+            <a:endParaRPr lang="it-IT" sz="2800" dirty="0"/>
+          </a:p>
+          <a:p>
+            <a:pPr>
+              <a:buFont typeface="Arial" panose="020B0604020202020204" pitchFamily="34" charset="0"/>
+              <a:buChar char="•"/>
+            </a:pPr>
             <a:endParaRPr lang="it-IT" sz="2800" dirty="0"/>
           </a:p>
           <a:p>
@@ -8770,6 +9023,166 @@
           </a:prstGeom>
         </p:spPr>
       </p:pic>
+      <p:pic>
+        <p:nvPicPr>
+          <p:cNvPr id="2050" name="Picture 2" descr="User friendly sign or stamp Royalty Free Vector Image">
+            <a:extLst>
+              <a:ext uri="{FF2B5EF4-FFF2-40B4-BE49-F238E27FC236}">
+                <a16:creationId xmlns:a16="http://schemas.microsoft.com/office/drawing/2014/main" id="{32E0554B-F042-4C53-8763-7ABC470D9DAA}"/>
+              </a:ext>
+            </a:extLst>
+          </p:cNvPr>
+          <p:cNvPicPr>
+            <a:picLocks noChangeAspect="1" noChangeArrowheads="1"/>
+          </p:cNvPicPr>
+          <p:nvPr/>
+        </p:nvPicPr>
+        <p:blipFill rotWithShape="1">
+          <a:blip r:embed="rId3">
+            <a:extLst>
+              <a:ext uri="{28A0092B-C50C-407E-A947-70E740481C1C}">
+                <a14:useLocalDpi xmlns:a14="http://schemas.microsoft.com/office/drawing/2010/main" val="0"/>
+              </a:ext>
+            </a:extLst>
+          </a:blip>
+          <a:srcRect b="8440"/>
+          <a:stretch/>
+        </p:blipFill>
+        <p:spPr bwMode="auto">
+          <a:xfrm>
+            <a:off x="4451589" y="1073312"/>
+            <a:ext cx="1402830" cy="1384419"/>
+          </a:xfrm>
+          <a:prstGeom prst="rect">
+            <a:avLst/>
+          </a:prstGeom>
+          <a:noFill/>
+          <a:extLst>
+            <a:ext uri="{909E8E84-426E-40DD-AFC4-6F175D3DCCD1}">
+              <a14:hiddenFill xmlns:a14="http://schemas.microsoft.com/office/drawing/2010/main">
+                <a:solidFill>
+                  <a:srgbClr val="FFFFFF"/>
+                </a:solidFill>
+              </a14:hiddenFill>
+            </a:ext>
+          </a:extLst>
+        </p:spPr>
+      </p:pic>
+      <p:pic>
+        <p:nvPicPr>
+          <p:cNvPr id="2052" name="Picture 4" descr="Sviluppo app multipiattaforma con Flutter - Flutter App">
+            <a:extLst>
+              <a:ext uri="{FF2B5EF4-FFF2-40B4-BE49-F238E27FC236}">
+                <a16:creationId xmlns:a16="http://schemas.microsoft.com/office/drawing/2014/main" id="{2EFA6512-B003-42D3-BAAD-2F6E7148FDE6}"/>
+              </a:ext>
+            </a:extLst>
+          </p:cNvPr>
+          <p:cNvPicPr>
+            <a:picLocks noChangeAspect="1" noChangeArrowheads="1"/>
+          </p:cNvPicPr>
+          <p:nvPr/>
+        </p:nvPicPr>
+        <p:blipFill>
+          <a:blip r:embed="rId4">
+            <a:extLst>
+              <a:ext uri="{28A0092B-C50C-407E-A947-70E740481C1C}">
+                <a14:useLocalDpi xmlns:a14="http://schemas.microsoft.com/office/drawing/2010/main" val="0"/>
+              </a:ext>
+            </a:extLst>
+          </a:blip>
+          <a:srcRect/>
+          <a:stretch>
+            <a:fillRect/>
+          </a:stretch>
+        </p:blipFill>
+        <p:spPr bwMode="auto">
+          <a:xfrm>
+            <a:off x="3962181" y="3288222"/>
+            <a:ext cx="2695575" cy="1695450"/>
+          </a:xfrm>
+          <a:prstGeom prst="rect">
+            <a:avLst/>
+          </a:prstGeom>
+          <a:noFill/>
+          <a:extLst>
+            <a:ext uri="{909E8E84-426E-40DD-AFC4-6F175D3DCCD1}">
+              <a14:hiddenFill xmlns:a14="http://schemas.microsoft.com/office/drawing/2010/main">
+                <a:solidFill>
+                  <a:srgbClr val="FFFFFF"/>
+                </a:solidFill>
+              </a14:hiddenFill>
+            </a:ext>
+          </a:extLst>
+        </p:spPr>
+      </p:pic>
+      <p:sp>
+        <p:nvSpPr>
+          <p:cNvPr id="4" name="CasellaDiTesto 3">
+            <a:extLst>
+              <a:ext uri="{FF2B5EF4-FFF2-40B4-BE49-F238E27FC236}">
+                <a16:creationId xmlns:a16="http://schemas.microsoft.com/office/drawing/2014/main" id="{9A790A2A-D200-4E5A-9027-FB91DEC35A30}"/>
+              </a:ext>
+            </a:extLst>
+          </p:cNvPr>
+          <p:cNvSpPr txBox="1"/>
+          <p:nvPr/>
+        </p:nvSpPr>
+        <p:spPr>
+          <a:xfrm flipH="1">
+            <a:off x="7061675" y="3927244"/>
+            <a:ext cx="3437975" cy="892552"/>
+          </a:xfrm>
+          <a:prstGeom prst="rect">
+            <a:avLst/>
+          </a:prstGeom>
+          <a:noFill/>
+        </p:spPr>
+        <p:txBody>
+          <a:bodyPr wrap="square" rtlCol="0">
+            <a:spAutoFit/>
+          </a:bodyPr>
+          <a:lstStyle/>
+          <a:p>
+            <a:r>
+              <a:rPr lang="it-IT" sz="2800" dirty="0">
+                <a:solidFill>
+                  <a:schemeClr val="tx1">
+                    <a:lumMod val="75000"/>
+                    <a:lumOff val="25000"/>
+                  </a:schemeClr>
+                </a:solidFill>
+              </a:rPr>
+              <a:t>cross-</a:t>
+            </a:r>
+            <a:r>
+              <a:rPr lang="it-IT" sz="2800" dirty="0" err="1">
+                <a:solidFill>
+                  <a:schemeClr val="tx1">
+                    <a:lumMod val="75000"/>
+                    <a:lumOff val="25000"/>
+                  </a:schemeClr>
+                </a:solidFill>
+              </a:rPr>
+              <a:t>platform</a:t>
+            </a:r>
+            <a:endParaRPr lang="it-IT" sz="2800" dirty="0">
+              <a:solidFill>
+                <a:schemeClr val="tx1">
+                  <a:lumMod val="75000"/>
+                  <a:lumOff val="25000"/>
+                </a:schemeClr>
+              </a:solidFill>
+            </a:endParaRPr>
+          </a:p>
+          <a:p>
+            <a:pPr marL="285750" indent="-285750">
+              <a:buFont typeface="Arial" panose="020B0604020202020204" pitchFamily="34" charset="0"/>
+              <a:buChar char="•"/>
+            </a:pPr>
+            <a:endParaRPr lang="it-IT" sz="2400" dirty="0"/>
+          </a:p>
+        </p:txBody>
+      </p:sp>
     </p:spTree>
     <p:extLst>
       <p:ext uri="{BB962C8B-B14F-4D97-AF65-F5344CB8AC3E}">
@@ -8943,8 +9356,8 @@
         </p:nvSpPr>
         <p:spPr>
           <a:xfrm>
-            <a:off x="1707751" y="2162006"/>
-            <a:ext cx="2167019" cy="1449387"/>
+            <a:off x="1428266" y="2763953"/>
+            <a:ext cx="1896510" cy="886482"/>
           </a:xfrm>
         </p:spPr>
         <p:txBody>
@@ -8962,47 +9375,6 @@
           </a:p>
         </p:txBody>
       </p:sp>
-      <p:cxnSp>
-        <p:nvCxnSpPr>
-          <p:cNvPr id="5" name="Connettore diritto 4">
-            <a:extLst>
-              <a:ext uri="{FF2B5EF4-FFF2-40B4-BE49-F238E27FC236}">
-                <a16:creationId xmlns:a16="http://schemas.microsoft.com/office/drawing/2014/main" id="{240F784F-B77B-4582-957B-ED7352C25C52}"/>
-              </a:ext>
-            </a:extLst>
-          </p:cNvPr>
-          <p:cNvCxnSpPr/>
-          <p:nvPr/>
-        </p:nvCxnSpPr>
-        <p:spPr>
-          <a:xfrm>
-            <a:off x="3663080" y="791301"/>
-            <a:ext cx="0" cy="4652010"/>
-          </a:xfrm>
-          <a:prstGeom prst="line">
-            <a:avLst/>
-          </a:prstGeom>
-          <a:ln w="12700">
-            <a:solidFill>
-              <a:srgbClr val="404040"/>
-            </a:solidFill>
-          </a:ln>
-        </p:spPr>
-        <p:style>
-          <a:lnRef idx="1">
-            <a:schemeClr val="accent1"/>
-          </a:lnRef>
-          <a:fillRef idx="0">
-            <a:schemeClr val="accent1"/>
-          </a:fillRef>
-          <a:effectRef idx="0">
-            <a:schemeClr val="accent1"/>
-          </a:effectRef>
-          <a:fontRef idx="minor">
-            <a:schemeClr val="tx1"/>
-          </a:fontRef>
-        </p:style>
-      </p:cxnSp>
       <p:pic>
         <p:nvPicPr>
           <p:cNvPr id="4" name="Immagine 3">
@@ -9025,7 +9397,7 @@
         </p:blipFill>
         <p:spPr>
           <a:xfrm>
-            <a:off x="4721498" y="93601"/>
+            <a:off x="4764266" y="93599"/>
             <a:ext cx="5167728" cy="6227189"/>
           </a:xfrm>
           <a:prstGeom prst="rect">
@@ -9047,7 +9419,7 @@
         </p:nvSpPr>
         <p:spPr>
           <a:xfrm>
-            <a:off x="300931" y="2616717"/>
+            <a:off x="164199" y="2616716"/>
             <a:ext cx="1264068" cy="1264068"/>
           </a:xfrm>
           <a:prstGeom prst="round2DiagRect">
@@ -9083,6 +9455,13 @@
           </a:effectRef>
           <a:fontRef idx="minor"/>
         </p:style>
+        <p:txBody>
+          <a:bodyPr/>
+          <a:lstStyle/>
+          <a:p>
+            <a:endParaRPr lang="it-IT" dirty="0"/>
+          </a:p>
+        </p:txBody>
       </p:sp>
       <p:sp>
         <p:nvSpPr>
@@ -9098,7 +9477,7 @@
         </p:nvSpPr>
         <p:spPr>
           <a:xfrm>
-            <a:off x="570323" y="2886108"/>
+            <a:off x="433590" y="2844552"/>
             <a:ext cx="725285" cy="725285"/>
           </a:xfrm>
           <a:prstGeom prst="rect">
@@ -9184,6 +9563,47 @@
           </a:prstGeom>
         </p:spPr>
       </p:pic>
+      <p:cxnSp>
+        <p:nvCxnSpPr>
+          <p:cNvPr id="11" name="Connettore diritto 10">
+            <a:extLst>
+              <a:ext uri="{FF2B5EF4-FFF2-40B4-BE49-F238E27FC236}">
+                <a16:creationId xmlns:a16="http://schemas.microsoft.com/office/drawing/2014/main" id="{AACB3360-5B88-4400-9DD1-53A759541AB3}"/>
+              </a:ext>
+            </a:extLst>
+          </p:cNvPr>
+          <p:cNvCxnSpPr/>
+          <p:nvPr/>
+        </p:nvCxnSpPr>
+        <p:spPr>
+          <a:xfrm>
+            <a:off x="3932581" y="793609"/>
+            <a:ext cx="0" cy="4652010"/>
+          </a:xfrm>
+          <a:prstGeom prst="line">
+            <a:avLst/>
+          </a:prstGeom>
+          <a:ln w="12700">
+            <a:solidFill>
+              <a:srgbClr val="404040"/>
+            </a:solidFill>
+          </a:ln>
+        </p:spPr>
+        <p:style>
+          <a:lnRef idx="1">
+            <a:schemeClr val="accent1"/>
+          </a:lnRef>
+          <a:fillRef idx="0">
+            <a:schemeClr val="accent1"/>
+          </a:fillRef>
+          <a:effectRef idx="0">
+            <a:schemeClr val="accent1"/>
+          </a:effectRef>
+          <a:fontRef idx="minor">
+            <a:schemeClr val="tx1"/>
+          </a:fontRef>
+        </p:style>
+      </p:cxnSp>
     </p:spTree>
     <p:extLst>
       <p:ext uri="{BB962C8B-B14F-4D97-AF65-F5344CB8AC3E}">
@@ -9216,81 +9636,6 @@
       </p:grpSpPr>
       <p:sp>
         <p:nvSpPr>
-          <p:cNvPr id="2" name="Titolo 1">
-            <a:extLst>
-              <a:ext uri="{FF2B5EF4-FFF2-40B4-BE49-F238E27FC236}">
-                <a16:creationId xmlns:a16="http://schemas.microsoft.com/office/drawing/2014/main" id="{EA4C6787-F094-4095-8753-A7EE42D628CA}"/>
-              </a:ext>
-            </a:extLst>
-          </p:cNvPr>
-          <p:cNvSpPr>
-            <a:spLocks noGrp="1"/>
-          </p:cNvSpPr>
-          <p:nvPr>
-            <p:ph type="title" idx="4294967295"/>
-          </p:nvPr>
-        </p:nvSpPr>
-        <p:spPr>
-          <a:xfrm>
-            <a:off x="1422491" y="2143216"/>
-            <a:ext cx="2756807" cy="1449387"/>
-          </a:xfrm>
-        </p:spPr>
-        <p:txBody>
-          <a:bodyPr/>
-          <a:lstStyle/>
-          <a:p>
-            <a:r>
-              <a:rPr lang="it-IT" sz="5400" b="1" dirty="0"/>
-              <a:t>Ricerca</a:t>
-            </a:r>
-            <a:endParaRPr lang="it-IT" dirty="0"/>
-          </a:p>
-        </p:txBody>
-      </p:sp>
-      <p:cxnSp>
-        <p:nvCxnSpPr>
-          <p:cNvPr id="5" name="Connettore diritto 4">
-            <a:extLst>
-              <a:ext uri="{FF2B5EF4-FFF2-40B4-BE49-F238E27FC236}">
-                <a16:creationId xmlns:a16="http://schemas.microsoft.com/office/drawing/2014/main" id="{240F784F-B77B-4582-957B-ED7352C25C52}"/>
-              </a:ext>
-            </a:extLst>
-          </p:cNvPr>
-          <p:cNvCxnSpPr/>
-          <p:nvPr/>
-        </p:nvCxnSpPr>
-        <p:spPr>
-          <a:xfrm>
-            <a:off x="3521101" y="805039"/>
-            <a:ext cx="0" cy="4652010"/>
-          </a:xfrm>
-          <a:prstGeom prst="line">
-            <a:avLst/>
-          </a:prstGeom>
-          <a:ln w="12700">
-            <a:solidFill>
-              <a:srgbClr val="404040"/>
-            </a:solidFill>
-          </a:ln>
-        </p:spPr>
-        <p:style>
-          <a:lnRef idx="1">
-            <a:schemeClr val="accent1"/>
-          </a:lnRef>
-          <a:fillRef idx="0">
-            <a:schemeClr val="accent1"/>
-          </a:fillRef>
-          <a:effectRef idx="0">
-            <a:schemeClr val="accent1"/>
-          </a:effectRef>
-          <a:fontRef idx="minor">
-            <a:schemeClr val="tx1"/>
-          </a:fontRef>
-        </p:style>
-      </p:cxnSp>
-      <p:sp>
-        <p:nvSpPr>
           <p:cNvPr id="11" name="Rettangolo con due angoli in diagonale arrotondati 10">
             <a:extLst>
               <a:ext uri="{FF2B5EF4-FFF2-40B4-BE49-F238E27FC236}">
@@ -9303,7 +9648,7 @@
         </p:nvSpPr>
         <p:spPr>
           <a:xfrm>
-            <a:off x="158423" y="2628724"/>
+            <a:off x="158423" y="2616716"/>
             <a:ext cx="1264068" cy="1264068"/>
           </a:xfrm>
           <a:prstGeom prst="round2DiagRect">
@@ -9342,6 +9687,40 @@
       </p:sp>
       <p:sp>
         <p:nvSpPr>
+          <p:cNvPr id="2" name="Titolo 1">
+            <a:extLst>
+              <a:ext uri="{FF2B5EF4-FFF2-40B4-BE49-F238E27FC236}">
+                <a16:creationId xmlns:a16="http://schemas.microsoft.com/office/drawing/2014/main" id="{EA4C6787-F094-4095-8753-A7EE42D628CA}"/>
+              </a:ext>
+            </a:extLst>
+          </p:cNvPr>
+          <p:cNvSpPr>
+            <a:spLocks noGrp="1"/>
+          </p:cNvSpPr>
+          <p:nvPr>
+            <p:ph type="title" idx="4294967295"/>
+          </p:nvPr>
+        </p:nvSpPr>
+        <p:spPr>
+          <a:xfrm>
+            <a:off x="1422491" y="2173421"/>
+            <a:ext cx="2756807" cy="1449387"/>
+          </a:xfrm>
+        </p:spPr>
+        <p:txBody>
+          <a:bodyPr/>
+          <a:lstStyle/>
+          <a:p>
+            <a:r>
+              <a:rPr lang="it-IT" sz="5400" b="1" dirty="0"/>
+              <a:t>Ricerca</a:t>
+            </a:r>
+            <a:endParaRPr lang="it-IT" dirty="0"/>
+          </a:p>
+        </p:txBody>
+      </p:sp>
+      <p:sp>
+        <p:nvSpPr>
           <p:cNvPr id="12" name="Rettangolo 11" descr="Magnifying glass">
             <a:extLst>
               <a:ext uri="{FF2B5EF4-FFF2-40B4-BE49-F238E27FC236}">
@@ -9354,7 +9733,7 @@
         </p:nvSpPr>
         <p:spPr>
           <a:xfrm>
-            <a:off x="427815" y="2898115"/>
+            <a:off x="461405" y="2886107"/>
             <a:ext cx="725285" cy="725285"/>
           </a:xfrm>
           <a:prstGeom prst="rect">
@@ -9425,8 +9804,8 @@
         </p:blipFill>
         <p:spPr>
           <a:xfrm>
-            <a:off x="4777741" y="78669"/>
-            <a:ext cx="5360668" cy="6264527"/>
+            <a:off x="5037932" y="262394"/>
+            <a:ext cx="4889949" cy="5714440"/>
           </a:xfrm>
           <a:prstGeom prst="rect">
             <a:avLst/>
@@ -9469,6 +9848,47 @@
           </a:prstGeom>
         </p:spPr>
       </p:pic>
+      <p:cxnSp>
+        <p:nvCxnSpPr>
+          <p:cNvPr id="9" name="Connettore diritto 8">
+            <a:extLst>
+              <a:ext uri="{FF2B5EF4-FFF2-40B4-BE49-F238E27FC236}">
+                <a16:creationId xmlns:a16="http://schemas.microsoft.com/office/drawing/2014/main" id="{ADDD396B-5AE2-4E08-96C6-BBF55F153CBC}"/>
+              </a:ext>
+            </a:extLst>
+          </p:cNvPr>
+          <p:cNvCxnSpPr/>
+          <p:nvPr/>
+        </p:nvCxnSpPr>
+        <p:spPr>
+          <a:xfrm>
+            <a:off x="3932581" y="793609"/>
+            <a:ext cx="0" cy="4652010"/>
+          </a:xfrm>
+          <a:prstGeom prst="line">
+            <a:avLst/>
+          </a:prstGeom>
+          <a:ln w="12700">
+            <a:solidFill>
+              <a:srgbClr val="404040"/>
+            </a:solidFill>
+          </a:ln>
+        </p:spPr>
+        <p:style>
+          <a:lnRef idx="1">
+            <a:schemeClr val="accent1"/>
+          </a:lnRef>
+          <a:fillRef idx="0">
+            <a:schemeClr val="accent1"/>
+          </a:fillRef>
+          <a:effectRef idx="0">
+            <a:schemeClr val="accent1"/>
+          </a:effectRef>
+          <a:fontRef idx="minor">
+            <a:schemeClr val="tx1"/>
+          </a:fontRef>
+        </p:style>
+      </p:cxnSp>
     </p:spTree>
     <p:extLst>
       <p:ext uri="{BB962C8B-B14F-4D97-AF65-F5344CB8AC3E}">
@@ -9517,12 +9937,14 @@
         </p:nvSpPr>
         <p:spPr>
           <a:xfrm>
-            <a:off x="1422491" y="2143216"/>
-            <a:ext cx="2756807" cy="1449387"/>
+            <a:off x="1422491" y="2597626"/>
+            <a:ext cx="2756807" cy="1043975"/>
           </a:xfrm>
         </p:spPr>
         <p:txBody>
-          <a:bodyPr/>
+          <a:bodyPr>
+            <a:normAutofit/>
+          </a:bodyPr>
           <a:lstStyle/>
           <a:p>
             <a:r>
@@ -9533,47 +9955,6 @@
           </a:p>
         </p:txBody>
       </p:sp>
-      <p:cxnSp>
-        <p:nvCxnSpPr>
-          <p:cNvPr id="5" name="Connettore diritto 4">
-            <a:extLst>
-              <a:ext uri="{FF2B5EF4-FFF2-40B4-BE49-F238E27FC236}">
-                <a16:creationId xmlns:a16="http://schemas.microsoft.com/office/drawing/2014/main" id="{240F784F-B77B-4582-957B-ED7352C25C52}"/>
-              </a:ext>
-            </a:extLst>
-          </p:cNvPr>
-          <p:cNvCxnSpPr/>
-          <p:nvPr/>
-        </p:nvCxnSpPr>
-        <p:spPr>
-          <a:xfrm>
-            <a:off x="3498241" y="862189"/>
-            <a:ext cx="0" cy="4652010"/>
-          </a:xfrm>
-          <a:prstGeom prst="line">
-            <a:avLst/>
-          </a:prstGeom>
-          <a:ln w="12700">
-            <a:solidFill>
-              <a:srgbClr val="404040"/>
-            </a:solidFill>
-          </a:ln>
-        </p:spPr>
-        <p:style>
-          <a:lnRef idx="1">
-            <a:schemeClr val="accent1"/>
-          </a:lnRef>
-          <a:fillRef idx="0">
-            <a:schemeClr val="accent1"/>
-          </a:fillRef>
-          <a:effectRef idx="0">
-            <a:schemeClr val="accent1"/>
-          </a:effectRef>
-          <a:fontRef idx="minor">
-            <a:schemeClr val="tx1"/>
-          </a:fontRef>
-        </p:style>
-      </p:cxnSp>
       <p:pic>
         <p:nvPicPr>
           <p:cNvPr id="4" name="Immagine 3">
@@ -9596,7 +9977,7 @@
         </p:blipFill>
         <p:spPr>
           <a:xfrm>
-            <a:off x="154413" y="2651284"/>
+            <a:off x="154413" y="2608448"/>
             <a:ext cx="1268078" cy="1268078"/>
           </a:xfrm>
           <a:prstGeom prst="rect">
@@ -9631,8 +10012,8 @@
         </p:blipFill>
         <p:spPr>
           <a:xfrm>
-            <a:off x="4682250" y="0"/>
-            <a:ext cx="5633496" cy="6332220"/>
+            <a:off x="5025569" y="218451"/>
+            <a:ext cx="5017668" cy="5640011"/>
           </a:xfrm>
           <a:prstGeom prst="rect">
             <a:avLst/>
@@ -9653,7 +10034,7 @@
         </p:nvSpPr>
         <p:spPr>
           <a:xfrm>
-            <a:off x="6800850" y="0"/>
+            <a:off x="6809395" y="97743"/>
             <a:ext cx="914400" cy="285750"/>
           </a:xfrm>
           <a:prstGeom prst="rect">
@@ -9729,6 +10110,47 @@
           </a:prstGeom>
         </p:spPr>
       </p:pic>
+      <p:cxnSp>
+        <p:nvCxnSpPr>
+          <p:cNvPr id="10" name="Connettore diritto 9">
+            <a:extLst>
+              <a:ext uri="{FF2B5EF4-FFF2-40B4-BE49-F238E27FC236}">
+                <a16:creationId xmlns:a16="http://schemas.microsoft.com/office/drawing/2014/main" id="{7325EAD7-9C25-4BB2-848B-4EB6E0C5A869}"/>
+              </a:ext>
+            </a:extLst>
+          </p:cNvPr>
+          <p:cNvCxnSpPr/>
+          <p:nvPr/>
+        </p:nvCxnSpPr>
+        <p:spPr>
+          <a:xfrm>
+            <a:off x="3932581" y="793609"/>
+            <a:ext cx="0" cy="4652010"/>
+          </a:xfrm>
+          <a:prstGeom prst="line">
+            <a:avLst/>
+          </a:prstGeom>
+          <a:ln w="12700">
+            <a:solidFill>
+              <a:srgbClr val="404040"/>
+            </a:solidFill>
+          </a:ln>
+        </p:spPr>
+        <p:style>
+          <a:lnRef idx="1">
+            <a:schemeClr val="accent1"/>
+          </a:lnRef>
+          <a:fillRef idx="0">
+            <a:schemeClr val="accent1"/>
+          </a:fillRef>
+          <a:effectRef idx="0">
+            <a:schemeClr val="accent1"/>
+          </a:effectRef>
+          <a:fontRef idx="minor">
+            <a:schemeClr val="tx1"/>
+          </a:fontRef>
+        </p:style>
+      </p:cxnSp>
     </p:spTree>
     <p:extLst>
       <p:ext uri="{BB962C8B-B14F-4D97-AF65-F5344CB8AC3E}">
@@ -9761,6 +10183,57 @@
       </p:grpSpPr>
       <p:sp>
         <p:nvSpPr>
+          <p:cNvPr id="7" name="Rettangolo con due angoli in diagonale arrotondati 6">
+            <a:extLst>
+              <a:ext uri="{FF2B5EF4-FFF2-40B4-BE49-F238E27FC236}">
+                <a16:creationId xmlns:a16="http://schemas.microsoft.com/office/drawing/2014/main" id="{A46B035A-8FB8-47AB-923E-1A5757D1991E}"/>
+              </a:ext>
+            </a:extLst>
+          </p:cNvPr>
+          <p:cNvSpPr/>
+          <p:nvPr/>
+        </p:nvSpPr>
+        <p:spPr>
+          <a:xfrm>
+            <a:off x="164199" y="2616714"/>
+            <a:ext cx="1258292" cy="1264069"/>
+          </a:xfrm>
+          <a:prstGeom prst="round2DiagRect">
+            <a:avLst>
+              <a:gd name="adj1" fmla="val 29727"/>
+              <a:gd name="adj2" fmla="val 0"/>
+            </a:avLst>
+          </a:prstGeom>
+          <a:solidFill>
+            <a:srgbClr val="C82A1E"/>
+          </a:solidFill>
+        </p:spPr>
+        <p:style>
+          <a:lnRef idx="0">
+            <a:schemeClr val="lt1">
+              <a:alpha val="0"/>
+              <a:hueOff val="0"/>
+              <a:satOff val="0"/>
+              <a:lumOff val="0"/>
+              <a:alphaOff val="0"/>
+            </a:schemeClr>
+          </a:lnRef>
+          <a:fillRef idx="1">
+            <a:scrgbClr r="0" g="0" b="0"/>
+          </a:fillRef>
+          <a:effectRef idx="0">
+            <a:schemeClr val="accent5">
+              <a:hueOff val="0"/>
+              <a:satOff val="0"/>
+              <a:lumOff val="0"/>
+              <a:alphaOff val="0"/>
+            </a:schemeClr>
+          </a:effectRef>
+          <a:fontRef idx="minor"/>
+        </p:style>
+      </p:sp>
+      <p:sp>
+        <p:nvSpPr>
           <p:cNvPr id="2" name="Titolo 1">
             <a:extLst>
               <a:ext uri="{FF2B5EF4-FFF2-40B4-BE49-F238E27FC236}">
@@ -9777,7 +10250,7 @@
         </p:nvSpPr>
         <p:spPr>
           <a:xfrm>
-            <a:off x="1422491" y="2143216"/>
+            <a:off x="1426456" y="2162003"/>
             <a:ext cx="2756807" cy="1449387"/>
           </a:xfrm>
         </p:spPr>
@@ -9855,65 +10328,14 @@
         </p:blipFill>
         <p:spPr>
           <a:xfrm>
-            <a:off x="5314951" y="87989"/>
-            <a:ext cx="4316921" cy="6063250"/>
+            <a:off x="5341444" y="304641"/>
+            <a:ext cx="4008417" cy="5629946"/>
           </a:xfrm>
           <a:prstGeom prst="rect">
             <a:avLst/>
           </a:prstGeom>
         </p:spPr>
       </p:pic>
-      <p:sp>
-        <p:nvSpPr>
-          <p:cNvPr id="7" name="Rettangolo con due angoli in diagonale arrotondati 6">
-            <a:extLst>
-              <a:ext uri="{FF2B5EF4-FFF2-40B4-BE49-F238E27FC236}">
-                <a16:creationId xmlns:a16="http://schemas.microsoft.com/office/drawing/2014/main" id="{A46B035A-8FB8-47AB-923E-1A5757D1991E}"/>
-              </a:ext>
-            </a:extLst>
-          </p:cNvPr>
-          <p:cNvSpPr/>
-          <p:nvPr/>
-        </p:nvSpPr>
-        <p:spPr>
-          <a:xfrm>
-            <a:off x="154458" y="2598519"/>
-            <a:ext cx="1264068" cy="1264068"/>
-          </a:xfrm>
-          <a:prstGeom prst="round2DiagRect">
-            <a:avLst>
-              <a:gd name="adj1" fmla="val 29727"/>
-              <a:gd name="adj2" fmla="val 0"/>
-            </a:avLst>
-          </a:prstGeom>
-          <a:solidFill>
-            <a:srgbClr val="C82A1E"/>
-          </a:solidFill>
-        </p:spPr>
-        <p:style>
-          <a:lnRef idx="0">
-            <a:schemeClr val="lt1">
-              <a:alpha val="0"/>
-              <a:hueOff val="0"/>
-              <a:satOff val="0"/>
-              <a:lumOff val="0"/>
-              <a:alphaOff val="0"/>
-            </a:schemeClr>
-          </a:lnRef>
-          <a:fillRef idx="1">
-            <a:scrgbClr r="0" g="0" b="0"/>
-          </a:fillRef>
-          <a:effectRef idx="0">
-            <a:schemeClr val="accent5">
-              <a:hueOff val="0"/>
-              <a:satOff val="0"/>
-              <a:lumOff val="0"/>
-              <a:alphaOff val="0"/>
-            </a:schemeClr>
-          </a:effectRef>
-          <a:fontRef idx="minor"/>
-        </p:style>
-      </p:sp>
       <p:sp>
         <p:nvSpPr>
           <p:cNvPr id="8" name="Rettangolo 7" descr="Aggiungere">
@@ -9928,7 +10350,7 @@
         </p:nvSpPr>
         <p:spPr>
           <a:xfrm>
-            <a:off x="423850" y="2867910"/>
+            <a:off x="430702" y="2886105"/>
             <a:ext cx="725285" cy="725285"/>
           </a:xfrm>
           <a:prstGeom prst="rect">
@@ -10901,6 +11323,25 @@
 </file>
 
 <file path=customXml/item1.xml><?xml version="1.0" encoding="utf-8"?>
+<p:properties xmlns:p="http://schemas.microsoft.com/office/2006/metadata/properties" xmlns:xsi="http://www.w3.org/2001/XMLSchema-instance" xmlns:pc="http://schemas.microsoft.com/office/infopath/2007/PartnerControls">
+  <documentManagement>
+    <_ip_UnifiedCompliancePolicyUIAction xmlns="http://schemas.microsoft.com/sharepoint/v3" xsi:nil="true"/>
+    <Image xmlns="71af3243-3dd4-4a8d-8c0d-dd76da1f02a5">
+      <Url xsi:nil="true"/>
+      <Description xsi:nil="true"/>
+    </Image>
+    <Status xmlns="71af3243-3dd4-4a8d-8c0d-dd76da1f02a5">Not started</Status>
+    <_ip_UnifiedCompliancePolicyProperties xmlns="http://schemas.microsoft.com/sharepoint/v3" xsi:nil="true"/>
+    <ImageTagsTaxHTField xmlns="71af3243-3dd4-4a8d-8c0d-dd76da1f02a5">
+      <Terms xmlns="http://schemas.microsoft.com/office/infopath/2007/PartnerControls"/>
+    </ImageTagsTaxHTField>
+    <TaxCatchAll xmlns="230e9df3-be65-4c73-a93b-d1236ebd677e"/>
+    <MediaServiceKeyPoints xmlns="71af3243-3dd4-4a8d-8c0d-dd76da1f02a5" xsi:nil="true"/>
+  </documentManagement>
+</p:properties>
+</file>
+
+<file path=customXml/item2.xml><?xml version="1.0" encoding="utf-8"?>
 <ct:contentTypeSchema xmlns:ct="http://schemas.microsoft.com/office/2006/metadata/contentType" xmlns:ma="http://schemas.microsoft.com/office/2006/metadata/properties/metaAttributes" ct:_="" ma:_="" ma:contentTypeName="Document" ma:contentTypeID="0x01010079F111ED35F8CC479449609E8A0923A6" ma:contentTypeVersion="20" ma:contentTypeDescription="Create a new document." ma:contentTypeScope="" ma:versionID="1267097ee5f5874adfcc408041ae252e">
   <xsd:schema xmlns:xsd="http://www.w3.org/2001/XMLSchema" xmlns:xs="http://www.w3.org/2001/XMLSchema" xmlns:p="http://schemas.microsoft.com/office/2006/metadata/properties" xmlns:ns1="http://schemas.microsoft.com/sharepoint/v3" xmlns:ns2="71af3243-3dd4-4a8d-8c0d-dd76da1f02a5" xmlns:ns3="16c05727-aa75-4e4a-9b5f-8a80a1165891" xmlns:ns4="230e9df3-be65-4c73-a93b-d1236ebd677e" targetNamespace="http://schemas.microsoft.com/office/2006/metadata/properties" ma:root="true" ma:fieldsID="395891a93df65b14727750f2c06c306c" ns1:_="" ns2:_="" ns3:_="" ns4:_="">
     <xsd:import namespace="http://schemas.microsoft.com/sharepoint/v3"/>
@@ -11176,25 +11617,6 @@
 </ct:contentTypeSchema>
 </file>
 
-<file path=customXml/item2.xml><?xml version="1.0" encoding="utf-8"?>
-<p:properties xmlns:p="http://schemas.microsoft.com/office/2006/metadata/properties" xmlns:xsi="http://www.w3.org/2001/XMLSchema-instance" xmlns:pc="http://schemas.microsoft.com/office/infopath/2007/PartnerControls">
-  <documentManagement>
-    <_ip_UnifiedCompliancePolicyUIAction xmlns="http://schemas.microsoft.com/sharepoint/v3" xsi:nil="true"/>
-    <Image xmlns="71af3243-3dd4-4a8d-8c0d-dd76da1f02a5">
-      <Url xsi:nil="true"/>
-      <Description xsi:nil="true"/>
-    </Image>
-    <Status xmlns="71af3243-3dd4-4a8d-8c0d-dd76da1f02a5">Not started</Status>
-    <_ip_UnifiedCompliancePolicyProperties xmlns="http://schemas.microsoft.com/sharepoint/v3" xsi:nil="true"/>
-    <ImageTagsTaxHTField xmlns="71af3243-3dd4-4a8d-8c0d-dd76da1f02a5">
-      <Terms xmlns="http://schemas.microsoft.com/office/infopath/2007/PartnerControls"/>
-    </ImageTagsTaxHTField>
-    <TaxCatchAll xmlns="230e9df3-be65-4c73-a93b-d1236ebd677e"/>
-    <MediaServiceKeyPoints xmlns="71af3243-3dd4-4a8d-8c0d-dd76da1f02a5" xsi:nil="true"/>
-  </documentManagement>
-</p:properties>
-</file>
-
 <file path=customXml/item3.xml><?xml version="1.0" encoding="utf-8"?>
 <?mso-contentType ?>
 <FormTemplates xmlns="http://schemas.microsoft.com/sharepoint/v3/contenttype/forms">
@@ -11205,6 +11627,18 @@
 </file>
 
 <file path=customXml/itemProps1.xml><?xml version="1.0" encoding="utf-8"?>
+<ds:datastoreItem xmlns:ds="http://schemas.openxmlformats.org/officeDocument/2006/customXml" ds:itemID="{B5BA3906-9696-4247-AC0D-DD5C26B2A70A}">
+  <ds:schemaRefs>
+    <ds:schemaRef ds:uri="http://schemas.microsoft.com/office/2006/metadata/properties"/>
+    <ds:schemaRef ds:uri="http://schemas.microsoft.com/office/infopath/2007/PartnerControls"/>
+    <ds:schemaRef ds:uri="http://schemas.microsoft.com/sharepoint/v3"/>
+    <ds:schemaRef ds:uri="71af3243-3dd4-4a8d-8c0d-dd76da1f02a5"/>
+    <ds:schemaRef ds:uri="230e9df3-be65-4c73-a93b-d1236ebd677e"/>
+  </ds:schemaRefs>
+</ds:datastoreItem>
+</file>
+
+<file path=customXml/itemProps2.xml><?xml version="1.0" encoding="utf-8"?>
 <ds:datastoreItem xmlns:ds="http://schemas.openxmlformats.org/officeDocument/2006/customXml" ds:itemID="{01E84A1C-2814-43A7-9448-348326113A45}">
   <ds:schemaRefs>
     <ds:schemaRef ds:uri="http://schemas.microsoft.com/office/2006/metadata/contentType"/>
@@ -11225,18 +11659,6 @@
 </ds:datastoreItem>
 </file>
 
-<file path=customXml/itemProps2.xml><?xml version="1.0" encoding="utf-8"?>
-<ds:datastoreItem xmlns:ds="http://schemas.openxmlformats.org/officeDocument/2006/customXml" ds:itemID="{B5BA3906-9696-4247-AC0D-DD5C26B2A70A}">
-  <ds:schemaRefs>
-    <ds:schemaRef ds:uri="http://schemas.microsoft.com/office/2006/metadata/properties"/>
-    <ds:schemaRef ds:uri="http://schemas.microsoft.com/office/infopath/2007/PartnerControls"/>
-    <ds:schemaRef ds:uri="http://schemas.microsoft.com/sharepoint/v3"/>
-    <ds:schemaRef ds:uri="71af3243-3dd4-4a8d-8c0d-dd76da1f02a5"/>
-    <ds:schemaRef ds:uri="230e9df3-be65-4c73-a93b-d1236ebd677e"/>
-  </ds:schemaRefs>
-</ds:datastoreItem>
-</file>
-
 <file path=customXml/itemProps3.xml><?xml version="1.0" encoding="utf-8"?>
 <ds:datastoreItem xmlns:ds="http://schemas.openxmlformats.org/officeDocument/2006/customXml" ds:itemID="{2D446390-8521-40A2-A462-EA068123BED9}">
   <ds:schemaRefs>
